--- a/presentations/BI Analysis Week 4.pptx
+++ b/presentations/BI Analysis Week 4.pptx
@@ -5,10 +5,10 @@
     <p:sldMasterId id="2147483648" r:id="rId4"/>
   </p:sldMasterIdLst>
   <p:notesMasterIdLst>
-    <p:notesMasterId r:id="rId26"/>
+    <p:notesMasterId r:id="rId29"/>
   </p:notesMasterIdLst>
   <p:handoutMasterIdLst>
-    <p:handoutMasterId r:id="rId27"/>
+    <p:handoutMasterId r:id="rId30"/>
   </p:handoutMasterIdLst>
   <p:sldIdLst>
     <p:sldId id="256" r:id="rId5"/>
@@ -21,17 +21,20 @@
     <p:sldId id="297" r:id="rId12"/>
     <p:sldId id="299" r:id="rId13"/>
     <p:sldId id="300" r:id="rId14"/>
-    <p:sldId id="281" r:id="rId15"/>
-    <p:sldId id="303" r:id="rId16"/>
-    <p:sldId id="302" r:id="rId17"/>
-    <p:sldId id="295" r:id="rId18"/>
-    <p:sldId id="301" r:id="rId19"/>
-    <p:sldId id="285" r:id="rId20"/>
-    <p:sldId id="288" r:id="rId21"/>
-    <p:sldId id="287" r:id="rId22"/>
-    <p:sldId id="289" r:id="rId23"/>
-    <p:sldId id="290" r:id="rId24"/>
-    <p:sldId id="278" r:id="rId25"/>
+    <p:sldId id="304" r:id="rId15"/>
+    <p:sldId id="305" r:id="rId16"/>
+    <p:sldId id="281" r:id="rId17"/>
+    <p:sldId id="303" r:id="rId18"/>
+    <p:sldId id="302" r:id="rId19"/>
+    <p:sldId id="295" r:id="rId20"/>
+    <p:sldId id="301" r:id="rId21"/>
+    <p:sldId id="306" r:id="rId22"/>
+    <p:sldId id="285" r:id="rId23"/>
+    <p:sldId id="288" r:id="rId24"/>
+    <p:sldId id="287" r:id="rId25"/>
+    <p:sldId id="289" r:id="rId26"/>
+    <p:sldId id="290" r:id="rId27"/>
+    <p:sldId id="278" r:id="rId28"/>
   </p:sldIdLst>
   <p:sldSz cx="12192000" cy="6858000"/>
   <p:notesSz cx="6858000" cy="9144000"/>
@@ -153,6 +156,8 @@
             <p14:sldId id="297"/>
             <p14:sldId id="299"/>
             <p14:sldId id="300"/>
+            <p14:sldId id="304"/>
+            <p14:sldId id="305"/>
           </p14:sldIdLst>
         </p14:section>
         <p14:section name="Feature Selection" id="{095DF7BE-2BE4-4EEF-9F1A-67A8CC73B0BA}">
@@ -162,6 +167,7 @@
             <p14:sldId id="302"/>
             <p14:sldId id="295"/>
             <p14:sldId id="301"/>
+            <p14:sldId id="306"/>
           </p14:sldIdLst>
         </p14:section>
         <p14:section name="Timeline" id="{D84BA844-2521-4215-AB17-E24BCE62C2E7}">
@@ -1081,7 +1087,7 @@
           <a:p>
             <a:fld id="{53D78A92-0141-4330-8F3E-FAADFAC23844}" type="slidenum">
               <a:rPr lang="en-US" noProof="0" smtClean="0"/>
-              <a:t>11</a:t>
+              <a:t>13</a:t>
             </a:fld>
             <a:endParaRPr lang="en-US" noProof="0"/>
           </a:p>
@@ -1165,7 +1171,7 @@
           <a:p>
             <a:fld id="{53D78A92-0141-4330-8F3E-FAADFAC23844}" type="slidenum">
               <a:rPr lang="en-US" noProof="0" smtClean="0"/>
-              <a:t>18</a:t>
+              <a:t>21</a:t>
             </a:fld>
             <a:endParaRPr lang="en-US" noProof="0"/>
           </a:p>
@@ -6528,6 +6534,142 @@
           <a:chExt cx="0" cy="0"/>
         </a:xfrm>
       </p:grpSpPr>
+      <p:pic>
+        <p:nvPicPr>
+          <p:cNvPr id="5" name="Content Placeholder 4">
+            <a:extLst>
+              <a:ext uri="{FF2B5EF4-FFF2-40B4-BE49-F238E27FC236}">
+                <a16:creationId xmlns:a16="http://schemas.microsoft.com/office/drawing/2014/main" id="{9CB6F99B-9E78-4BB5-AAD3-E04D9D54519F}"/>
+              </a:ext>
+            </a:extLst>
+          </p:cNvPr>
+          <p:cNvPicPr>
+            <a:picLocks noGrp="1" noChangeAspect="1"/>
+          </p:cNvPicPr>
+          <p:nvPr>
+            <p:ph sz="quarter" idx="14"/>
+          </p:nvPr>
+        </p:nvPicPr>
+        <p:blipFill>
+          <a:blip r:embed="rId2"/>
+          <a:stretch>
+            <a:fillRect/>
+          </a:stretch>
+        </p:blipFill>
+        <p:spPr>
+          <a:xfrm>
+            <a:off x="2006600" y="350148"/>
+            <a:ext cx="7960360" cy="6151660"/>
+          </a:xfrm>
+        </p:spPr>
+      </p:pic>
+    </p:spTree>
+    <p:extLst>
+      <p:ext uri="{BB962C8B-B14F-4D97-AF65-F5344CB8AC3E}">
+        <p14:creationId xmlns:p14="http://schemas.microsoft.com/office/powerpoint/2010/main" val="3051719273"/>
+      </p:ext>
+    </p:extLst>
+  </p:cSld>
+  <p:clrMapOvr>
+    <a:masterClrMapping/>
+  </p:clrMapOvr>
+</p:sld>
+</file>
+
+<file path=ppt/slides/slide12.xml><?xml version="1.0" encoding="utf-8"?>
+<p:sld xmlns:a="http://schemas.openxmlformats.org/drawingml/2006/main" xmlns:r="http://schemas.openxmlformats.org/officeDocument/2006/relationships" xmlns:p="http://schemas.openxmlformats.org/presentationml/2006/main">
+  <p:cSld>
+    <p:spTree>
+      <p:nvGrpSpPr>
+        <p:cNvPr id="1" name=""/>
+        <p:cNvGrpSpPr/>
+        <p:nvPr/>
+      </p:nvGrpSpPr>
+      <p:grpSpPr>
+        <a:xfrm>
+          <a:off x="0" y="0"/>
+          <a:ext cx="0" cy="0"/>
+          <a:chOff x="0" y="0"/>
+          <a:chExt cx="0" cy="0"/>
+        </a:xfrm>
+      </p:grpSpPr>
+      <p:pic>
+        <p:nvPicPr>
+          <p:cNvPr id="1028" name="Picture 4">
+            <a:extLst>
+              <a:ext uri="{FF2B5EF4-FFF2-40B4-BE49-F238E27FC236}">
+                <a16:creationId xmlns:a16="http://schemas.microsoft.com/office/drawing/2014/main" id="{C2F151E7-D049-4D66-8161-64DDFECB9E36}"/>
+              </a:ext>
+            </a:extLst>
+          </p:cNvPr>
+          <p:cNvPicPr>
+            <a:picLocks noChangeAspect="1" noChangeArrowheads="1"/>
+          </p:cNvPicPr>
+          <p:nvPr/>
+        </p:nvPicPr>
+        <p:blipFill>
+          <a:blip r:embed="rId2">
+            <a:extLst>
+              <a:ext uri="{28A0092B-C50C-407E-A947-70E740481C1C}">
+                <a14:useLocalDpi xmlns:a14="http://schemas.microsoft.com/office/drawing/2010/main" val="0"/>
+              </a:ext>
+            </a:extLst>
+          </a:blip>
+          <a:srcRect/>
+          <a:stretch>
+            <a:fillRect/>
+          </a:stretch>
+        </p:blipFill>
+        <p:spPr bwMode="auto">
+          <a:xfrm>
+            <a:off x="1989374" y="343118"/>
+            <a:ext cx="7980434" cy="6171764"/>
+          </a:xfrm>
+          <a:prstGeom prst="rect">
+            <a:avLst/>
+          </a:prstGeom>
+          <a:noFill/>
+          <a:extLst>
+            <a:ext uri="{909E8E84-426E-40DD-AFC4-6F175D3DCCD1}">
+              <a14:hiddenFill xmlns:a14="http://schemas.microsoft.com/office/drawing/2010/main">
+                <a:solidFill>
+                  <a:srgbClr val="FFFFFF"/>
+                </a:solidFill>
+              </a14:hiddenFill>
+            </a:ext>
+          </a:extLst>
+        </p:spPr>
+      </p:pic>
+    </p:spTree>
+    <p:extLst>
+      <p:ext uri="{BB962C8B-B14F-4D97-AF65-F5344CB8AC3E}">
+        <p14:creationId xmlns:p14="http://schemas.microsoft.com/office/powerpoint/2010/main" val="1681764205"/>
+      </p:ext>
+    </p:extLst>
+  </p:cSld>
+  <p:clrMapOvr>
+    <a:masterClrMapping/>
+  </p:clrMapOvr>
+</p:sld>
+</file>
+
+<file path=ppt/slides/slide13.xml><?xml version="1.0" encoding="utf-8"?>
+<p:sld xmlns:a="http://schemas.openxmlformats.org/drawingml/2006/main" xmlns:r="http://schemas.openxmlformats.org/officeDocument/2006/relationships" xmlns:p="http://schemas.openxmlformats.org/presentationml/2006/main">
+  <p:cSld>
+    <p:spTree>
+      <p:nvGrpSpPr>
+        <p:cNvPr id="1" name=""/>
+        <p:cNvGrpSpPr/>
+        <p:nvPr/>
+      </p:nvGrpSpPr>
+      <p:grpSpPr>
+        <a:xfrm>
+          <a:off x="0" y="0"/>
+          <a:ext cx="0" cy="0"/>
+          <a:chOff x="0" y="0"/>
+          <a:chExt cx="0" cy="0"/>
+        </a:xfrm>
+      </p:grpSpPr>
       <p:sp>
         <p:nvSpPr>
           <p:cNvPr id="4" name="Title 3">
@@ -6583,7 +6725,7 @@
 </p:sld>
 </file>
 
-<file path=ppt/slides/slide12.xml><?xml version="1.0" encoding="utf-8"?>
+<file path=ppt/slides/slide14.xml><?xml version="1.0" encoding="utf-8"?>
 <p:sld xmlns:a="http://schemas.openxmlformats.org/drawingml/2006/main" xmlns:r="http://schemas.openxmlformats.org/officeDocument/2006/relationships" xmlns:p="http://schemas.openxmlformats.org/presentationml/2006/main">
   <p:cSld>
     <p:spTree>
@@ -6660,7 +6802,7 @@
 </p:sld>
 </file>
 
-<file path=ppt/slides/slide13.xml><?xml version="1.0" encoding="utf-8"?>
+<file path=ppt/slides/slide15.xml><?xml version="1.0" encoding="utf-8"?>
 <p:sld xmlns:a="http://schemas.openxmlformats.org/drawingml/2006/main" xmlns:r="http://schemas.openxmlformats.org/officeDocument/2006/relationships" xmlns:p="http://schemas.openxmlformats.org/presentationml/2006/main">
   <p:cSld>
     <p:spTree>
@@ -6719,7 +6861,7 @@
 </p:sld>
 </file>
 
-<file path=ppt/slides/slide14.xml><?xml version="1.0" encoding="utf-8"?>
+<file path=ppt/slides/slide16.xml><?xml version="1.0" encoding="utf-8"?>
 <p:sld xmlns:a="http://schemas.openxmlformats.org/drawingml/2006/main" xmlns:r="http://schemas.openxmlformats.org/officeDocument/2006/relationships" xmlns:p="http://schemas.openxmlformats.org/presentationml/2006/main">
   <p:cSld>
     <p:spTree>
@@ -6796,7 +6938,7 @@
 </p:sld>
 </file>
 
-<file path=ppt/slides/slide15.xml><?xml version="1.0" encoding="utf-8"?>
+<file path=ppt/slides/slide17.xml><?xml version="1.0" encoding="utf-8"?>
 <p:sld xmlns:a="http://schemas.openxmlformats.org/drawingml/2006/main" xmlns:r="http://schemas.openxmlformats.org/officeDocument/2006/relationships" xmlns:p="http://schemas.openxmlformats.org/presentationml/2006/main">
   <p:cSld>
     <p:spTree>
@@ -6871,7 +7013,84 @@
 </p:sld>
 </file>
 
-<file path=ppt/slides/slide16.xml><?xml version="1.0" encoding="utf-8"?>
+<file path=ppt/slides/slide18.xml><?xml version="1.0" encoding="utf-8"?>
+<p:sld xmlns:a="http://schemas.openxmlformats.org/drawingml/2006/main" xmlns:r="http://schemas.openxmlformats.org/officeDocument/2006/relationships" xmlns:p="http://schemas.openxmlformats.org/presentationml/2006/main">
+  <p:cSld>
+    <p:spTree>
+      <p:nvGrpSpPr>
+        <p:cNvPr id="1" name=""/>
+        <p:cNvGrpSpPr/>
+        <p:nvPr/>
+      </p:nvGrpSpPr>
+      <p:grpSpPr>
+        <a:xfrm>
+          <a:off x="0" y="0"/>
+          <a:ext cx="0" cy="0"/>
+          <a:chOff x="0" y="0"/>
+          <a:chExt cx="0" cy="0"/>
+        </a:xfrm>
+      </p:grpSpPr>
+      <p:pic>
+        <p:nvPicPr>
+          <p:cNvPr id="2050" name="Picture 2" descr="Table showing the feature selection methods supported by the three main Python libraries, Scikit-learn, MLXtend and Feature-engine">
+            <a:extLst>
+              <a:ext uri="{FF2B5EF4-FFF2-40B4-BE49-F238E27FC236}">
+                <a16:creationId xmlns:a16="http://schemas.microsoft.com/office/drawing/2014/main" id="{01EA5A71-029D-4EBF-9AB7-17434BCE3976}"/>
+              </a:ext>
+            </a:extLst>
+          </p:cNvPr>
+          <p:cNvPicPr>
+            <a:picLocks noChangeAspect="1" noChangeArrowheads="1"/>
+          </p:cNvPicPr>
+          <p:nvPr/>
+        </p:nvPicPr>
+        <p:blipFill>
+          <a:blip r:embed="rId2">
+            <a:extLst>
+              <a:ext uri="{28A0092B-C50C-407E-A947-70E740481C1C}">
+                <a14:useLocalDpi xmlns:a14="http://schemas.microsoft.com/office/drawing/2010/main" val="0"/>
+              </a:ext>
+            </a:extLst>
+          </a:blip>
+          <a:srcRect/>
+          <a:stretch>
+            <a:fillRect/>
+          </a:stretch>
+        </p:blipFill>
+        <p:spPr bwMode="auto">
+          <a:xfrm>
+            <a:off x="537280" y="340822"/>
+            <a:ext cx="11117440" cy="6176356"/>
+          </a:xfrm>
+          <a:prstGeom prst="rect">
+            <a:avLst/>
+          </a:prstGeom>
+          <a:noFill/>
+          <a:extLst>
+            <a:ext uri="{909E8E84-426E-40DD-AFC4-6F175D3DCCD1}">
+              <a14:hiddenFill xmlns:a14="http://schemas.microsoft.com/office/drawing/2010/main">
+                <a:solidFill>
+                  <a:srgbClr val="FFFFFF"/>
+                </a:solidFill>
+              </a14:hiddenFill>
+            </a:ext>
+          </a:extLst>
+        </p:spPr>
+      </p:pic>
+    </p:spTree>
+    <p:extLst>
+      <p:ext uri="{BB962C8B-B14F-4D97-AF65-F5344CB8AC3E}">
+        <p14:creationId xmlns:p14="http://schemas.microsoft.com/office/powerpoint/2010/main" val="791011833"/>
+      </p:ext>
+    </p:extLst>
+  </p:cSld>
+  <p:clrMapOvr>
+    <a:masterClrMapping/>
+  </p:clrMapOvr>
+</p:sld>
+</file>
+
+<file path=ppt/slides/slide19.xml><?xml version="1.0" encoding="utf-8"?>
 <p:sld xmlns:a="http://schemas.openxmlformats.org/drawingml/2006/main" xmlns:r="http://schemas.openxmlformats.org/officeDocument/2006/relationships" xmlns:p="http://schemas.openxmlformats.org/presentationml/2006/main">
   <p:cSld>
     <p:spTree>
@@ -6934,7 +7153,132 @@
 </p:sld>
 </file>
 
-<file path=ppt/slides/slide17.xml><?xml version="1.0" encoding="utf-8"?>
+<file path=ppt/slides/slide2.xml><?xml version="1.0" encoding="utf-8"?>
+<p:sld xmlns:a="http://schemas.openxmlformats.org/drawingml/2006/main" xmlns:r="http://schemas.openxmlformats.org/officeDocument/2006/relationships" xmlns:p="http://schemas.openxmlformats.org/presentationml/2006/main">
+  <p:cSld>
+    <p:bg>
+      <p:bgPr>
+        <a:solidFill>
+          <a:schemeClr val="accent1">
+            <a:lumMod val="20000"/>
+            <a:lumOff val="80000"/>
+          </a:schemeClr>
+        </a:solidFill>
+        <a:effectLst/>
+      </p:bgPr>
+    </p:bg>
+    <p:spTree>
+      <p:nvGrpSpPr>
+        <p:cNvPr id="1" name=""/>
+        <p:cNvGrpSpPr/>
+        <p:nvPr/>
+      </p:nvGrpSpPr>
+      <p:grpSpPr>
+        <a:xfrm>
+          <a:off x="0" y="0"/>
+          <a:ext cx="0" cy="0"/>
+          <a:chOff x="0" y="0"/>
+          <a:chExt cx="0" cy="0"/>
+        </a:xfrm>
+      </p:grpSpPr>
+      <p:sp>
+        <p:nvSpPr>
+          <p:cNvPr id="2" name="Title 1">
+            <a:extLst>
+              <a:ext uri="{FF2B5EF4-FFF2-40B4-BE49-F238E27FC236}">
+                <a16:creationId xmlns:a16="http://schemas.microsoft.com/office/drawing/2014/main" id="{43C2181D-911C-1343-7267-E35AC86CCA0E}"/>
+              </a:ext>
+            </a:extLst>
+          </p:cNvPr>
+          <p:cNvSpPr>
+            <a:spLocks noGrp="1"/>
+          </p:cNvSpPr>
+          <p:nvPr>
+            <p:ph type="title"/>
+          </p:nvPr>
+        </p:nvSpPr>
+        <p:spPr>
+          <a:xfrm>
+            <a:off x="838200" y="853333"/>
+            <a:ext cx="4844143" cy="5151334"/>
+          </a:xfrm>
+          <a:noFill/>
+        </p:spPr>
+        <p:txBody>
+          <a:bodyPr anchor="ctr">
+            <a:noAutofit/>
+          </a:bodyPr>
+          <a:lstStyle/>
+          <a:p>
+            <a:r>
+              <a:rPr lang="en-US" dirty="0"/>
+              <a:t>Agenda</a:t>
+            </a:r>
+          </a:p>
+        </p:txBody>
+      </p:sp>
+      <p:sp>
+        <p:nvSpPr>
+          <p:cNvPr id="3" name="Content Placeholder 2">
+            <a:extLst>
+              <a:ext uri="{FF2B5EF4-FFF2-40B4-BE49-F238E27FC236}">
+                <a16:creationId xmlns:a16="http://schemas.microsoft.com/office/drawing/2014/main" id="{9BEA8735-F1DC-1DE6-0A38-429B2F660F8A}"/>
+              </a:ext>
+            </a:extLst>
+          </p:cNvPr>
+          <p:cNvSpPr>
+            <a:spLocks noGrp="1"/>
+          </p:cNvSpPr>
+          <p:nvPr>
+            <p:ph idx="1"/>
+          </p:nvPr>
+        </p:nvSpPr>
+        <p:spPr>
+          <a:xfrm>
+            <a:off x="6455229" y="853333"/>
+            <a:ext cx="4920342" cy="5151334"/>
+          </a:xfrm>
+          <a:noFill/>
+        </p:spPr>
+        <p:txBody>
+          <a:bodyPr>
+            <a:normAutofit/>
+          </a:bodyPr>
+          <a:lstStyle/>
+          <a:p>
+            <a:r>
+              <a:rPr lang="en-US" dirty="0"/>
+              <a:t>DATA EXPLORATION</a:t>
+            </a:r>
+          </a:p>
+          <a:p>
+            <a:r>
+              <a:rPr lang="en-US" dirty="0"/>
+              <a:t>PANDAS</a:t>
+            </a:r>
+          </a:p>
+          <a:p>
+            <a:r>
+              <a:rPr lang="en-US" dirty="0"/>
+              <a:t>FEATURE SELECTION</a:t>
+            </a:r>
+          </a:p>
+        </p:txBody>
+      </p:sp>
+    </p:spTree>
+    <p:extLst>
+      <p:ext uri="{BB962C8B-B14F-4D97-AF65-F5344CB8AC3E}">
+        <p14:creationId xmlns:p14="http://schemas.microsoft.com/office/powerpoint/2010/main" val="4169552892"/>
+      </p:ext>
+    </p:extLst>
+  </p:cSld>
+  <p:clrMapOvr>
+    <a:masterClrMapping/>
+  </p:clrMapOvr>
+</p:sld>
+</file>
+
+<file path=ppt/slides/slide20.xml><?xml version="1.0" encoding="utf-8"?>
 <p:sld xmlns:a="http://schemas.openxmlformats.org/drawingml/2006/main" xmlns:r="http://schemas.openxmlformats.org/officeDocument/2006/relationships" xmlns:p="http://schemas.openxmlformats.org/presentationml/2006/main">
   <p:cSld>
     <p:spTree>
@@ -7105,7 +7449,7 @@
 </p:sld>
 </file>
 
-<file path=ppt/slides/slide18.xml><?xml version="1.0" encoding="utf-8"?>
+<file path=ppt/slides/slide21.xml><?xml version="1.0" encoding="utf-8"?>
 <p:sld xmlns:a="http://schemas.openxmlformats.org/drawingml/2006/main" xmlns:r="http://schemas.openxmlformats.org/officeDocument/2006/relationships" xmlns:p="http://schemas.openxmlformats.org/presentationml/2006/main">
   <p:cSld>
     <p:spTree>
@@ -7758,7 +8102,7 @@
 </p:sld>
 </file>
 
-<file path=ppt/slides/slide19.xml><?xml version="1.0" encoding="utf-8"?>
+<file path=ppt/slides/slide22.xml><?xml version="1.0" encoding="utf-8"?>
 <p:sld xmlns:a="http://schemas.openxmlformats.org/drawingml/2006/main" xmlns:r="http://schemas.openxmlformats.org/officeDocument/2006/relationships" xmlns:p="http://schemas.openxmlformats.org/presentationml/2006/main">
   <p:cSld>
     <p:spTree>
@@ -7821,132 +8165,7 @@
 </p:sld>
 </file>
 
-<file path=ppt/slides/slide2.xml><?xml version="1.0" encoding="utf-8"?>
-<p:sld xmlns:a="http://schemas.openxmlformats.org/drawingml/2006/main" xmlns:r="http://schemas.openxmlformats.org/officeDocument/2006/relationships" xmlns:p="http://schemas.openxmlformats.org/presentationml/2006/main">
-  <p:cSld>
-    <p:bg>
-      <p:bgPr>
-        <a:solidFill>
-          <a:schemeClr val="accent1">
-            <a:lumMod val="20000"/>
-            <a:lumOff val="80000"/>
-          </a:schemeClr>
-        </a:solidFill>
-        <a:effectLst/>
-      </p:bgPr>
-    </p:bg>
-    <p:spTree>
-      <p:nvGrpSpPr>
-        <p:cNvPr id="1" name=""/>
-        <p:cNvGrpSpPr/>
-        <p:nvPr/>
-      </p:nvGrpSpPr>
-      <p:grpSpPr>
-        <a:xfrm>
-          <a:off x="0" y="0"/>
-          <a:ext cx="0" cy="0"/>
-          <a:chOff x="0" y="0"/>
-          <a:chExt cx="0" cy="0"/>
-        </a:xfrm>
-      </p:grpSpPr>
-      <p:sp>
-        <p:nvSpPr>
-          <p:cNvPr id="2" name="Title 1">
-            <a:extLst>
-              <a:ext uri="{FF2B5EF4-FFF2-40B4-BE49-F238E27FC236}">
-                <a16:creationId xmlns:a16="http://schemas.microsoft.com/office/drawing/2014/main" id="{43C2181D-911C-1343-7267-E35AC86CCA0E}"/>
-              </a:ext>
-            </a:extLst>
-          </p:cNvPr>
-          <p:cNvSpPr>
-            <a:spLocks noGrp="1"/>
-          </p:cNvSpPr>
-          <p:nvPr>
-            <p:ph type="title"/>
-          </p:nvPr>
-        </p:nvSpPr>
-        <p:spPr>
-          <a:xfrm>
-            <a:off x="838200" y="853333"/>
-            <a:ext cx="4844143" cy="5151334"/>
-          </a:xfrm>
-          <a:noFill/>
-        </p:spPr>
-        <p:txBody>
-          <a:bodyPr anchor="ctr">
-            <a:noAutofit/>
-          </a:bodyPr>
-          <a:lstStyle/>
-          <a:p>
-            <a:r>
-              <a:rPr lang="en-US" dirty="0"/>
-              <a:t>Agenda</a:t>
-            </a:r>
-          </a:p>
-        </p:txBody>
-      </p:sp>
-      <p:sp>
-        <p:nvSpPr>
-          <p:cNvPr id="3" name="Content Placeholder 2">
-            <a:extLst>
-              <a:ext uri="{FF2B5EF4-FFF2-40B4-BE49-F238E27FC236}">
-                <a16:creationId xmlns:a16="http://schemas.microsoft.com/office/drawing/2014/main" id="{9BEA8735-F1DC-1DE6-0A38-429B2F660F8A}"/>
-              </a:ext>
-            </a:extLst>
-          </p:cNvPr>
-          <p:cNvSpPr>
-            <a:spLocks noGrp="1"/>
-          </p:cNvSpPr>
-          <p:nvPr>
-            <p:ph idx="1"/>
-          </p:nvPr>
-        </p:nvSpPr>
-        <p:spPr>
-          <a:xfrm>
-            <a:off x="6455229" y="853333"/>
-            <a:ext cx="4920342" cy="5151334"/>
-          </a:xfrm>
-          <a:noFill/>
-        </p:spPr>
-        <p:txBody>
-          <a:bodyPr>
-            <a:normAutofit/>
-          </a:bodyPr>
-          <a:lstStyle/>
-          <a:p>
-            <a:r>
-              <a:rPr lang="en-US" dirty="0"/>
-              <a:t>DATA EXPLORATION</a:t>
-            </a:r>
-          </a:p>
-          <a:p>
-            <a:r>
-              <a:rPr lang="en-US" dirty="0"/>
-              <a:t>PANDAS</a:t>
-            </a:r>
-          </a:p>
-          <a:p>
-            <a:r>
-              <a:rPr lang="en-US" dirty="0"/>
-              <a:t>FEATURE SELECTION</a:t>
-            </a:r>
-          </a:p>
-        </p:txBody>
-      </p:sp>
-    </p:spTree>
-    <p:extLst>
-      <p:ext uri="{BB962C8B-B14F-4D97-AF65-F5344CB8AC3E}">
-        <p14:creationId xmlns:p14="http://schemas.microsoft.com/office/powerpoint/2010/main" val="4169552892"/>
-      </p:ext>
-    </p:extLst>
-  </p:cSld>
-  <p:clrMapOvr>
-    <a:masterClrMapping/>
-  </p:clrMapOvr>
-</p:sld>
-</file>
-
-<file path=ppt/slides/slide20.xml><?xml version="1.0" encoding="utf-8"?>
+<file path=ppt/slides/slide23.xml><?xml version="1.0" encoding="utf-8"?>
 <p:sld xmlns:a="http://schemas.openxmlformats.org/drawingml/2006/main" xmlns:r="http://schemas.openxmlformats.org/officeDocument/2006/relationships" xmlns:p="http://schemas.openxmlformats.org/presentationml/2006/main">
   <p:cSld>
     <p:spTree>
@@ -8567,7 +8786,7 @@
 </p:sld>
 </file>
 
-<file path=ppt/slides/slide21.xml><?xml version="1.0" encoding="utf-8"?>
+<file path=ppt/slides/slide24.xml><?xml version="1.0" encoding="utf-8"?>
 <p:sld xmlns:a="http://schemas.openxmlformats.org/drawingml/2006/main" xmlns:r="http://schemas.openxmlformats.org/officeDocument/2006/relationships" xmlns:p="http://schemas.openxmlformats.org/presentationml/2006/main">
   <p:cSld>
     <p:spTree>
@@ -10267,6 +10486,26 @@
 </file>
 
 <file path=customXml/item1.xml><?xml version="1.0" encoding="utf-8"?>
+<p:properties xmlns:p="http://schemas.microsoft.com/office/2006/metadata/properties" xmlns:xsi="http://www.w3.org/2001/XMLSchema-instance" xmlns:pc="http://schemas.microsoft.com/office/infopath/2007/PartnerControls">
+  <documentManagement>
+    <MediaServiceKeyPoints xmlns="71af3243-3dd4-4a8d-8c0d-dd76da1f02a5" xsi:nil="true"/>
+    <_ip_UnifiedCompliancePolicyUIAction xmlns="http://schemas.microsoft.com/sharepoint/v3" xsi:nil="true"/>
+    <Image xmlns="71af3243-3dd4-4a8d-8c0d-dd76da1f02a5">
+      <Url xsi:nil="true"/>
+      <Description xsi:nil="true"/>
+    </Image>
+    <Status xmlns="71af3243-3dd4-4a8d-8c0d-dd76da1f02a5">Not started</Status>
+    <Background xmlns="71af3243-3dd4-4a8d-8c0d-dd76da1f02a5">false</Background>
+    <_ip_UnifiedCompliancePolicyProperties xmlns="http://schemas.microsoft.com/sharepoint/v3" xsi:nil="true"/>
+    <ImageTagsTaxHTField xmlns="71af3243-3dd4-4a8d-8c0d-dd76da1f02a5">
+      <Terms xmlns="http://schemas.microsoft.com/office/infopath/2007/PartnerControls"/>
+    </ImageTagsTaxHTField>
+    <TaxCatchAll xmlns="230e9df3-be65-4c73-a93b-d1236ebd677e" xsi:nil="true"/>
+  </documentManagement>
+</p:properties>
+</file>
+
+<file path=customXml/item2.xml><?xml version="1.0" encoding="utf-8"?>
 <ct:contentTypeSchema xmlns:ct="http://schemas.microsoft.com/office/2006/metadata/contentType" xmlns:ma="http://schemas.microsoft.com/office/2006/metadata/properties/metaAttributes" ct:_="" ma:_="" ma:contentTypeName="Document" ma:contentTypeID="0x01010079F111ED35F8CC479449609E8A0923A6" ma:contentTypeVersion="30" ma:contentTypeDescription="Create a new document." ma:contentTypeScope="" ma:versionID="cec0622158e8f13124e9e8fd4de31bd1">
   <xsd:schema xmlns:xsd="http://www.w3.org/2001/XMLSchema" xmlns:xs="http://www.w3.org/2001/XMLSchema" xmlns:p="http://schemas.microsoft.com/office/2006/metadata/properties" xmlns:ns1="http://schemas.microsoft.com/sharepoint/v3" xmlns:ns2="71af3243-3dd4-4a8d-8c0d-dd76da1f02a5" xmlns:ns3="16c05727-aa75-4e4a-9b5f-8a80a1165891" xmlns:ns4="230e9df3-be65-4c73-a93b-d1236ebd677e" targetNamespace="http://schemas.microsoft.com/office/2006/metadata/properties" ma:root="true" ma:fieldsID="3b52f30ab005d15df08657af532e6e38" ns1:_="" ns2:_="" ns3:_="" ns4:_="">
     <xsd:import namespace="http://schemas.microsoft.com/sharepoint/v3"/>
@@ -10584,26 +10823,6 @@
 </ct:contentTypeSchema>
 </file>
 
-<file path=customXml/item2.xml><?xml version="1.0" encoding="utf-8"?>
-<p:properties xmlns:p="http://schemas.microsoft.com/office/2006/metadata/properties" xmlns:xsi="http://www.w3.org/2001/XMLSchema-instance" xmlns:pc="http://schemas.microsoft.com/office/infopath/2007/PartnerControls">
-  <documentManagement>
-    <MediaServiceKeyPoints xmlns="71af3243-3dd4-4a8d-8c0d-dd76da1f02a5" xsi:nil="true"/>
-    <_ip_UnifiedCompliancePolicyUIAction xmlns="http://schemas.microsoft.com/sharepoint/v3" xsi:nil="true"/>
-    <Image xmlns="71af3243-3dd4-4a8d-8c0d-dd76da1f02a5">
-      <Url xsi:nil="true"/>
-      <Description xsi:nil="true"/>
-    </Image>
-    <Status xmlns="71af3243-3dd4-4a8d-8c0d-dd76da1f02a5">Not started</Status>
-    <Background xmlns="71af3243-3dd4-4a8d-8c0d-dd76da1f02a5">false</Background>
-    <_ip_UnifiedCompliancePolicyProperties xmlns="http://schemas.microsoft.com/sharepoint/v3" xsi:nil="true"/>
-    <ImageTagsTaxHTField xmlns="71af3243-3dd4-4a8d-8c0d-dd76da1f02a5">
-      <Terms xmlns="http://schemas.microsoft.com/office/infopath/2007/PartnerControls"/>
-    </ImageTagsTaxHTField>
-    <TaxCatchAll xmlns="230e9df3-be65-4c73-a93b-d1236ebd677e" xsi:nil="true"/>
-  </documentManagement>
-</p:properties>
-</file>
-
 <file path=customXml/item3.xml><?xml version="1.0" encoding="utf-8"?>
 <?mso-contentType ?>
 <FormTemplates xmlns="http://schemas.microsoft.com/sharepoint/v3/contenttype/forms">
@@ -10614,6 +10833,25 @@
 </file>
 
 <file path=customXml/itemProps1.xml><?xml version="1.0" encoding="utf-8"?>
+<ds:datastoreItem xmlns:ds="http://schemas.openxmlformats.org/officeDocument/2006/customXml" ds:itemID="{826A71AF-4CF2-4B95-BFB6-5C27500258C6}">
+  <ds:schemaRefs>
+    <ds:schemaRef ds:uri="http://purl.org/dc/elements/1.1/"/>
+    <ds:schemaRef ds:uri="http://schemas.microsoft.com/office/2006/documentManagement/types"/>
+    <ds:schemaRef ds:uri="16c05727-aa75-4e4a-9b5f-8a80a1165891"/>
+    <ds:schemaRef ds:uri="http://purl.org/dc/terms/"/>
+    <ds:schemaRef ds:uri="230e9df3-be65-4c73-a93b-d1236ebd677e"/>
+    <ds:schemaRef ds:uri="http://schemas.openxmlformats.org/package/2006/metadata/core-properties"/>
+    <ds:schemaRef ds:uri="http://schemas.microsoft.com/office/infopath/2007/PartnerControls"/>
+    <ds:schemaRef ds:uri="http://purl.org/dc/dcmitype/"/>
+    <ds:schemaRef ds:uri="71af3243-3dd4-4a8d-8c0d-dd76da1f02a5"/>
+    <ds:schemaRef ds:uri="http://schemas.microsoft.com/sharepoint/v3"/>
+    <ds:schemaRef ds:uri="http://schemas.microsoft.com/office/2006/metadata/properties"/>
+    <ds:schemaRef ds:uri="http://www.w3.org/XML/1998/namespace"/>
+  </ds:schemaRefs>
+</ds:datastoreItem>
+</file>
+
+<file path=customXml/itemProps2.xml><?xml version="1.0" encoding="utf-8"?>
 <ds:datastoreItem xmlns:ds="http://schemas.openxmlformats.org/officeDocument/2006/customXml" ds:itemID="{118B1F56-8983-41A9-8E90-86247BC2C41D}">
   <ds:schemaRefs>
     <ds:schemaRef ds:uri="http://schemas.microsoft.com/office/2006/metadata/contentType"/>
@@ -10634,25 +10872,6 @@
 </ds:datastoreItem>
 </file>
 
-<file path=customXml/itemProps2.xml><?xml version="1.0" encoding="utf-8"?>
-<ds:datastoreItem xmlns:ds="http://schemas.openxmlformats.org/officeDocument/2006/customXml" ds:itemID="{826A71AF-4CF2-4B95-BFB6-5C27500258C6}">
-  <ds:schemaRefs>
-    <ds:schemaRef ds:uri="http://purl.org/dc/elements/1.1/"/>
-    <ds:schemaRef ds:uri="http://schemas.microsoft.com/office/2006/documentManagement/types"/>
-    <ds:schemaRef ds:uri="16c05727-aa75-4e4a-9b5f-8a80a1165891"/>
-    <ds:schemaRef ds:uri="http://purl.org/dc/terms/"/>
-    <ds:schemaRef ds:uri="230e9df3-be65-4c73-a93b-d1236ebd677e"/>
-    <ds:schemaRef ds:uri="http://schemas.openxmlformats.org/package/2006/metadata/core-properties"/>
-    <ds:schemaRef ds:uri="http://schemas.microsoft.com/office/infopath/2007/PartnerControls"/>
-    <ds:schemaRef ds:uri="http://purl.org/dc/dcmitype/"/>
-    <ds:schemaRef ds:uri="71af3243-3dd4-4a8d-8c0d-dd76da1f02a5"/>
-    <ds:schemaRef ds:uri="http://schemas.microsoft.com/sharepoint/v3"/>
-    <ds:schemaRef ds:uri="http://schemas.microsoft.com/office/2006/metadata/properties"/>
-    <ds:schemaRef ds:uri="http://www.w3.org/XML/1998/namespace"/>
-  </ds:schemaRefs>
-</ds:datastoreItem>
-</file>
-
 <file path=customXml/itemProps3.xml><?xml version="1.0" encoding="utf-8"?>
 <ds:datastoreItem xmlns:ds="http://schemas.openxmlformats.org/officeDocument/2006/customXml" ds:itemID="{0F60B100-7079-4DE7-AF7C-20BFB1D62C46}">
   <ds:schemaRefs>

--- a/presentations/BI Analysis Week 4.pptx
+++ b/presentations/BI Analysis Week 4.pptx
@@ -306,7 +306,7 @@
           <a:p>
             <a:fld id="{D3D47A4C-1800-412B-9042-C93F1924AECC}" type="datetimeFigureOut">
               <a:rPr lang="en-US" smtClean="0"/>
-              <a:t>1/27/2025</a:t>
+              <a:t>1/31/2025</a:t>
             </a:fld>
             <a:endParaRPr lang="en-US"/>
           </a:p>
@@ -483,7 +483,7 @@
           <a:p>
             <a:fld id="{7000EB3D-2307-4317-8A1D-B47FA45245F0}" type="datetimeFigureOut">
               <a:rPr lang="en-US" noProof="0" smtClean="0"/>
-              <a:t>1/27/2025</a:t>
+              <a:t>1/31/2025</a:t>
             </a:fld>
             <a:endParaRPr lang="en-US" noProof="0"/>
           </a:p>
@@ -1713,7 +1713,7 @@
           <a:p>
             <a:fld id="{F9880A97-BB72-4C49-B020-C005FF9D43B4}" type="datetime1">
               <a:rPr lang="en-US" smtClean="0"/>
-              <a:t>1/27/2025</a:t>
+              <a:t>1/31/2025</a:t>
             </a:fld>
             <a:endParaRPr lang="en-US" dirty="0"/>
           </a:p>
@@ -2400,7 +2400,7 @@
           <a:p>
             <a:fld id="{8B1E16E5-E5E5-4583-9AF7-83D9607A8145}" type="datetime1">
               <a:rPr lang="en-US" smtClean="0"/>
-              <a:t>1/27/2025</a:t>
+              <a:t>1/31/2025</a:t>
             </a:fld>
             <a:endParaRPr lang="en-US" dirty="0"/>
           </a:p>
@@ -2936,7 +2936,7 @@
           <a:p>
             <a:fld id="{0B4AC9CD-0374-4BE7-8481-7982C4A3E9D1}" type="datetime1">
               <a:rPr lang="en-US" smtClean="0"/>
-              <a:t>1/27/2025</a:t>
+              <a:t>1/31/2025</a:t>
             </a:fld>
             <a:endParaRPr lang="en-US" dirty="0"/>
           </a:p>
@@ -3576,7 +3576,7 @@
           <a:p>
             <a:fld id="{222400DF-651A-4479-9C74-9CDA47151016}" type="datetime1">
               <a:rPr lang="en-US" smtClean="0"/>
-              <a:t>1/27/2025</a:t>
+              <a:t>1/31/2025</a:t>
             </a:fld>
             <a:endParaRPr lang="en-US" dirty="0"/>
           </a:p>
@@ -4374,7 +4374,7 @@
           <a:p>
             <a:fld id="{1201FEBF-D140-4633-9B70-3A503CA61AD4}" type="datetime1">
               <a:rPr lang="en-US" smtClean="0"/>
-              <a:t>1/27/2025</a:t>
+              <a:t>1/31/2025</a:t>
             </a:fld>
             <a:endParaRPr lang="en-US" dirty="0"/>
           </a:p>
@@ -5260,7 +5260,7 @@
           <a:p>
             <a:fld id="{B63BE472-3891-4216-B770-F52E53667131}" type="datetime1">
               <a:rPr lang="en-US" smtClean="0"/>
-              <a:t>1/27/2025</a:t>
+              <a:t>1/31/2025</a:t>
             </a:fld>
             <a:endParaRPr lang="en-US" dirty="0"/>
           </a:p>
@@ -5593,7 +5593,7 @@
           <a:p>
             <a:fld id="{92C9618A-2189-4802-BD34-F288EF802528}" type="datetime1">
               <a:rPr lang="en-US" smtClean="0"/>
-              <a:t>1/27/2025</a:t>
+              <a:t>1/31/2025</a:t>
             </a:fld>
             <a:endParaRPr lang="en-US" dirty="0"/>
           </a:p>
@@ -5786,7 +5786,7 @@
           <a:p>
             <a:fld id="{3CA3B387-33D3-4D27-BE27-9B85ACC6AC8A}" type="datetime1">
               <a:rPr lang="en-US" smtClean="0"/>
-              <a:t>1/27/2025</a:t>
+              <a:t>1/31/2025</a:t>
             </a:fld>
             <a:endParaRPr lang="en-US" dirty="0"/>
           </a:p>
@@ -9297,7 +9297,7 @@
         <p:spPr>
           <a:xfrm>
             <a:off x="974361" y="1424066"/>
-            <a:ext cx="10379439" cy="3662541"/>
+            <a:ext cx="10379439" cy="4770537"/>
           </a:xfrm>
           <a:prstGeom prst="rect">
             <a:avLst/>
@@ -9355,7 +9355,7 @@
           <a:p>
             <a:r>
               <a:rPr lang="en-US" sz="2800" dirty="0"/>
-              <a:t>What is data exploration important? </a:t>
+              <a:t>Why is data exploration important? </a:t>
             </a:r>
           </a:p>
           <a:p>
@@ -9380,6 +9380,21 @@
           </a:p>
           <a:p>
             <a:endParaRPr lang="en-US" dirty="0"/>
+          </a:p>
+          <a:p>
+            <a:endParaRPr lang="en-US" dirty="0"/>
+          </a:p>
+          <a:p>
+            <a:endParaRPr lang="en-US" dirty="0"/>
+          </a:p>
+          <a:p>
+            <a:endParaRPr lang="en-US" dirty="0"/>
+          </a:p>
+          <a:p>
+            <a:r>
+              <a:rPr lang="en-US" dirty="0"/>
+              <a:t>Gemini</a:t>
+            </a:r>
           </a:p>
         </p:txBody>
       </p:sp>
@@ -10506,6 +10521,15 @@
 </file>
 
 <file path=customXml/item2.xml><?xml version="1.0" encoding="utf-8"?>
+<?mso-contentType ?>
+<FormTemplates xmlns="http://schemas.microsoft.com/sharepoint/v3/contenttype/forms">
+  <Display>DocumentLibraryForm</Display>
+  <Edit>DocumentLibraryForm</Edit>
+  <New>DocumentLibraryForm</New>
+</FormTemplates>
+</file>
+
+<file path=customXml/item3.xml><?xml version="1.0" encoding="utf-8"?>
 <ct:contentTypeSchema xmlns:ct="http://schemas.microsoft.com/office/2006/metadata/contentType" xmlns:ma="http://schemas.microsoft.com/office/2006/metadata/properties/metaAttributes" ct:_="" ma:_="" ma:contentTypeName="Document" ma:contentTypeID="0x01010079F111ED35F8CC479449609E8A0923A6" ma:contentTypeVersion="30" ma:contentTypeDescription="Create a new document." ma:contentTypeScope="" ma:versionID="cec0622158e8f13124e9e8fd4de31bd1">
   <xsd:schema xmlns:xsd="http://www.w3.org/2001/XMLSchema" xmlns:xs="http://www.w3.org/2001/XMLSchema" xmlns:p="http://schemas.microsoft.com/office/2006/metadata/properties" xmlns:ns1="http://schemas.microsoft.com/sharepoint/v3" xmlns:ns2="71af3243-3dd4-4a8d-8c0d-dd76da1f02a5" xmlns:ns3="16c05727-aa75-4e4a-9b5f-8a80a1165891" xmlns:ns4="230e9df3-be65-4c73-a93b-d1236ebd677e" targetNamespace="http://schemas.microsoft.com/office/2006/metadata/properties" ma:root="true" ma:fieldsID="3b52f30ab005d15df08657af532e6e38" ns1:_="" ns2:_="" ns3:_="" ns4:_="">
     <xsd:import namespace="http://schemas.microsoft.com/sharepoint/v3"/>
@@ -10823,15 +10847,6 @@
 </ct:contentTypeSchema>
 </file>
 
-<file path=customXml/item3.xml><?xml version="1.0" encoding="utf-8"?>
-<?mso-contentType ?>
-<FormTemplates xmlns="http://schemas.microsoft.com/sharepoint/v3/contenttype/forms">
-  <Display>DocumentLibraryForm</Display>
-  <Edit>DocumentLibraryForm</Edit>
-  <New>DocumentLibraryForm</New>
-</FormTemplates>
-</file>
-
 <file path=customXml/itemProps1.xml><?xml version="1.0" encoding="utf-8"?>
 <ds:datastoreItem xmlns:ds="http://schemas.openxmlformats.org/officeDocument/2006/customXml" ds:itemID="{826A71AF-4CF2-4B95-BFB6-5C27500258C6}">
   <ds:schemaRefs>
@@ -10852,6 +10867,14 @@
 </file>
 
 <file path=customXml/itemProps2.xml><?xml version="1.0" encoding="utf-8"?>
+<ds:datastoreItem xmlns:ds="http://schemas.openxmlformats.org/officeDocument/2006/customXml" ds:itemID="{0F60B100-7079-4DE7-AF7C-20BFB1D62C46}">
+  <ds:schemaRefs>
+    <ds:schemaRef ds:uri="http://schemas.microsoft.com/sharepoint/v3/contenttype/forms"/>
+  </ds:schemaRefs>
+</ds:datastoreItem>
+</file>
+
+<file path=customXml/itemProps3.xml><?xml version="1.0" encoding="utf-8"?>
 <ds:datastoreItem xmlns:ds="http://schemas.openxmlformats.org/officeDocument/2006/customXml" ds:itemID="{118B1F56-8983-41A9-8E90-86247BC2C41D}">
   <ds:schemaRefs>
     <ds:schemaRef ds:uri="http://schemas.microsoft.com/office/2006/metadata/contentType"/>
@@ -10872,14 +10895,6 @@
 </ds:datastoreItem>
 </file>
 
-<file path=customXml/itemProps3.xml><?xml version="1.0" encoding="utf-8"?>
-<ds:datastoreItem xmlns:ds="http://schemas.openxmlformats.org/officeDocument/2006/customXml" ds:itemID="{0F60B100-7079-4DE7-AF7C-20BFB1D62C46}">
-  <ds:schemaRefs>
-    <ds:schemaRef ds:uri="http://schemas.microsoft.com/sharepoint/v3/contenttype/forms"/>
-  </ds:schemaRefs>
-</ds:datastoreItem>
-</file>
-
 <file path=docMetadata/LabelInfo.xml><?xml version="1.0" encoding="utf-8"?>
 <clbl:labelList xmlns:clbl="http://schemas.microsoft.com/office/2020/mipLabelMetadata">
   <clbl:label id="{5fae8262-b78e-4366-8929-a5d6aac95320}" enabled="1" method="Standard" siteId="{cf36141c-ddd7-45a7-b073-111f66d0b30c}" removed="0"/>

--- a/presentations/BI Analysis Week 4.pptx
+++ b/presentations/BI Analysis Week 4.pptx
@@ -306,7 +306,7 @@
           <a:p>
             <a:fld id="{D3D47A4C-1800-412B-9042-C93F1924AECC}" type="datetimeFigureOut">
               <a:rPr lang="en-US" smtClean="0"/>
-              <a:t>1/31/2025</a:t>
+              <a:t>2/3/2025</a:t>
             </a:fld>
             <a:endParaRPr lang="en-US"/>
           </a:p>
@@ -483,7 +483,7 @@
           <a:p>
             <a:fld id="{7000EB3D-2307-4317-8A1D-B47FA45245F0}" type="datetimeFigureOut">
               <a:rPr lang="en-US" noProof="0" smtClean="0"/>
-              <a:t>1/31/2025</a:t>
+              <a:t>2/3/2025</a:t>
             </a:fld>
             <a:endParaRPr lang="en-US" noProof="0"/>
           </a:p>
@@ -1713,7 +1713,7 @@
           <a:p>
             <a:fld id="{F9880A97-BB72-4C49-B020-C005FF9D43B4}" type="datetime1">
               <a:rPr lang="en-US" smtClean="0"/>
-              <a:t>1/31/2025</a:t>
+              <a:t>2/3/2025</a:t>
             </a:fld>
             <a:endParaRPr lang="en-US" dirty="0"/>
           </a:p>
@@ -2400,7 +2400,7 @@
           <a:p>
             <a:fld id="{8B1E16E5-E5E5-4583-9AF7-83D9607A8145}" type="datetime1">
               <a:rPr lang="en-US" smtClean="0"/>
-              <a:t>1/31/2025</a:t>
+              <a:t>2/3/2025</a:t>
             </a:fld>
             <a:endParaRPr lang="en-US" dirty="0"/>
           </a:p>
@@ -2936,7 +2936,7 @@
           <a:p>
             <a:fld id="{0B4AC9CD-0374-4BE7-8481-7982C4A3E9D1}" type="datetime1">
               <a:rPr lang="en-US" smtClean="0"/>
-              <a:t>1/31/2025</a:t>
+              <a:t>2/3/2025</a:t>
             </a:fld>
             <a:endParaRPr lang="en-US" dirty="0"/>
           </a:p>
@@ -3576,7 +3576,7 @@
           <a:p>
             <a:fld id="{222400DF-651A-4479-9C74-9CDA47151016}" type="datetime1">
               <a:rPr lang="en-US" smtClean="0"/>
-              <a:t>1/31/2025</a:t>
+              <a:t>2/3/2025</a:t>
             </a:fld>
             <a:endParaRPr lang="en-US" dirty="0"/>
           </a:p>
@@ -4374,7 +4374,7 @@
           <a:p>
             <a:fld id="{1201FEBF-D140-4633-9B70-3A503CA61AD4}" type="datetime1">
               <a:rPr lang="en-US" smtClean="0"/>
-              <a:t>1/31/2025</a:t>
+              <a:t>2/3/2025</a:t>
             </a:fld>
             <a:endParaRPr lang="en-US" dirty="0"/>
           </a:p>
@@ -5260,7 +5260,7 @@
           <a:p>
             <a:fld id="{B63BE472-3891-4216-B770-F52E53667131}" type="datetime1">
               <a:rPr lang="en-US" smtClean="0"/>
-              <a:t>1/31/2025</a:t>
+              <a:t>2/3/2025</a:t>
             </a:fld>
             <a:endParaRPr lang="en-US" dirty="0"/>
           </a:p>
@@ -5593,7 +5593,7 @@
           <a:p>
             <a:fld id="{92C9618A-2189-4802-BD34-F288EF802528}" type="datetime1">
               <a:rPr lang="en-US" smtClean="0"/>
-              <a:t>1/31/2025</a:t>
+              <a:t>2/3/2025</a:t>
             </a:fld>
             <a:endParaRPr lang="en-US" dirty="0"/>
           </a:p>
@@ -5786,7 +5786,7 @@
           <a:p>
             <a:fld id="{3CA3B387-33D3-4D27-BE27-9B85ACC6AC8A}" type="datetime1">
               <a:rPr lang="en-US" smtClean="0"/>
-              <a:t>1/31/2025</a:t>
+              <a:t>2/3/2025</a:t>
             </a:fld>
             <a:endParaRPr lang="en-US" dirty="0"/>
           </a:p>
@@ -7367,7 +7367,7 @@
             </a:pPr>
             <a:r>
               <a:rPr lang="en-US" sz="2000" dirty="0"/>
-              <a:t>Students will be meet their teams and begin planning their project. </a:t>
+              <a:t>Students will meet their teams and begin planning their project. </a:t>
             </a:r>
           </a:p>
           <a:p>
@@ -10501,6 +10501,15 @@
 </file>
 
 <file path=customXml/item1.xml><?xml version="1.0" encoding="utf-8"?>
+<?mso-contentType ?>
+<FormTemplates xmlns="http://schemas.microsoft.com/sharepoint/v3/contenttype/forms">
+  <Display>DocumentLibraryForm</Display>
+  <Edit>DocumentLibraryForm</Edit>
+  <New>DocumentLibraryForm</New>
+</FormTemplates>
+</file>
+
+<file path=customXml/item2.xml><?xml version="1.0" encoding="utf-8"?>
 <p:properties xmlns:p="http://schemas.microsoft.com/office/2006/metadata/properties" xmlns:xsi="http://www.w3.org/2001/XMLSchema-instance" xmlns:pc="http://schemas.microsoft.com/office/infopath/2007/PartnerControls">
   <documentManagement>
     <MediaServiceKeyPoints xmlns="71af3243-3dd4-4a8d-8c0d-dd76da1f02a5" xsi:nil="true"/>
@@ -10518,15 +10527,6 @@
     <TaxCatchAll xmlns="230e9df3-be65-4c73-a93b-d1236ebd677e" xsi:nil="true"/>
   </documentManagement>
 </p:properties>
-</file>
-
-<file path=customXml/item2.xml><?xml version="1.0" encoding="utf-8"?>
-<?mso-contentType ?>
-<FormTemplates xmlns="http://schemas.microsoft.com/sharepoint/v3/contenttype/forms">
-  <Display>DocumentLibraryForm</Display>
-  <Edit>DocumentLibraryForm</Edit>
-  <New>DocumentLibraryForm</New>
-</FormTemplates>
 </file>
 
 <file path=customXml/item3.xml><?xml version="1.0" encoding="utf-8"?>
@@ -10848,6 +10848,14 @@
 </file>
 
 <file path=customXml/itemProps1.xml><?xml version="1.0" encoding="utf-8"?>
+<ds:datastoreItem xmlns:ds="http://schemas.openxmlformats.org/officeDocument/2006/customXml" ds:itemID="{0F60B100-7079-4DE7-AF7C-20BFB1D62C46}">
+  <ds:schemaRefs>
+    <ds:schemaRef ds:uri="http://schemas.microsoft.com/sharepoint/v3/contenttype/forms"/>
+  </ds:schemaRefs>
+</ds:datastoreItem>
+</file>
+
+<file path=customXml/itemProps2.xml><?xml version="1.0" encoding="utf-8"?>
 <ds:datastoreItem xmlns:ds="http://schemas.openxmlformats.org/officeDocument/2006/customXml" ds:itemID="{826A71AF-4CF2-4B95-BFB6-5C27500258C6}">
   <ds:schemaRefs>
     <ds:schemaRef ds:uri="http://purl.org/dc/elements/1.1/"/>
@@ -10862,14 +10870,6 @@
     <ds:schemaRef ds:uri="http://schemas.microsoft.com/sharepoint/v3"/>
     <ds:schemaRef ds:uri="http://schemas.microsoft.com/office/2006/metadata/properties"/>
     <ds:schemaRef ds:uri="http://www.w3.org/XML/1998/namespace"/>
-  </ds:schemaRefs>
-</ds:datastoreItem>
-</file>
-
-<file path=customXml/itemProps2.xml><?xml version="1.0" encoding="utf-8"?>
-<ds:datastoreItem xmlns:ds="http://schemas.openxmlformats.org/officeDocument/2006/customXml" ds:itemID="{0F60B100-7079-4DE7-AF7C-20BFB1D62C46}">
-  <ds:schemaRefs>
-    <ds:schemaRef ds:uri="http://schemas.microsoft.com/sharepoint/v3/contenttype/forms"/>
   </ds:schemaRefs>
 </ds:datastoreItem>
 </file>
